--- a/Seccion 2 Variable aleatoria multivariante/Diapositivas/2.1 Variable aleatoria multivariante.pptx
+++ b/Seccion 2 Variable aleatoria multivariante/Diapositivas/2.1 Variable aleatoria multivariante.pptx
@@ -3903,7 +3903,7 @@
             <a:fld id="{B61BEF0D-F0BB-DE4B-95CE-6DB70DBA9567}" type="datetimeFigureOut">
               <a:rPr lang="en-US" smtClean="0"/>
               <a:pPr/>
-              <a:t>12/12/2019</a:t>
+              <a:t>12/20/2019</a:t>
             </a:fld>
             <a:endParaRPr lang="en-US" dirty="0"/>
           </a:p>
@@ -4102,7 +4102,7 @@
           <a:p>
             <a:fld id="{55C6B4A9-1611-4792-9094-5F34BCA07E0B}" type="datetimeFigureOut">
               <a:rPr lang="en-US" smtClean="0"/>
-              <a:t>12/12/2019</a:t>
+              <a:t>12/20/2019</a:t>
             </a:fld>
             <a:endParaRPr lang="en-US" dirty="0"/>
           </a:p>
@@ -4311,7 +4311,7 @@
             <a:fld id="{B61BEF0D-F0BB-DE4B-95CE-6DB70DBA9567}" type="datetimeFigureOut">
               <a:rPr lang="en-US" smtClean="0"/>
               <a:pPr/>
-              <a:t>12/12/2019</a:t>
+              <a:t>12/20/2019</a:t>
             </a:fld>
             <a:endParaRPr lang="en-US" dirty="0"/>
           </a:p>
@@ -5131,7 +5131,7 @@
             <a:fld id="{B61BEF0D-F0BB-DE4B-95CE-6DB70DBA9567}" type="datetimeFigureOut">
               <a:rPr lang="en-US" smtClean="0"/>
               <a:pPr/>
-              <a:t>12/12/2019</a:t>
+              <a:t>12/20/2019</a:t>
             </a:fld>
             <a:endParaRPr lang="en-US" dirty="0"/>
           </a:p>
@@ -5303,7 +5303,7 @@
             <a:fld id="{B61BEF0D-F0BB-DE4B-95CE-6DB70DBA9567}" type="datetimeFigureOut">
               <a:rPr lang="en-US" smtClean="0"/>
               <a:pPr/>
-              <a:t>12/12/2019</a:t>
+              <a:t>12/20/2019</a:t>
             </a:fld>
             <a:endParaRPr lang="en-US" dirty="0"/>
           </a:p>
@@ -5552,7 +5552,7 @@
             <a:fld id="{B61BEF0D-F0BB-DE4B-95CE-6DB70DBA9567}" type="datetimeFigureOut">
               <a:rPr lang="en-US" smtClean="0"/>
               <a:pPr/>
-              <a:t>12/12/2019</a:t>
+              <a:t>12/20/2019</a:t>
             </a:fld>
             <a:endParaRPr lang="en-US" dirty="0"/>
           </a:p>
@@ -5785,7 +5785,7 @@
           <a:p>
             <a:fld id="{EB712588-04B1-427B-82EE-E8DB90309F08}" type="datetimeFigureOut">
               <a:rPr lang="en-US" smtClean="0"/>
-              <a:t>12/12/2019</a:t>
+              <a:t>12/20/2019</a:t>
             </a:fld>
             <a:endParaRPr lang="en-US" dirty="0"/>
           </a:p>
@@ -6160,7 +6160,7 @@
             <a:fld id="{B61BEF0D-F0BB-DE4B-95CE-6DB70DBA9567}" type="datetimeFigureOut">
               <a:rPr lang="en-US" smtClean="0"/>
               <a:pPr/>
-              <a:t>12/12/2019</a:t>
+              <a:t>12/20/2019</a:t>
             </a:fld>
             <a:endParaRPr lang="en-US" dirty="0"/>
           </a:p>
@@ -6285,7 +6285,7 @@
             <a:fld id="{B61BEF0D-F0BB-DE4B-95CE-6DB70DBA9567}" type="datetimeFigureOut">
               <a:rPr lang="en-US" smtClean="0"/>
               <a:pPr/>
-              <a:t>12/12/2019</a:t>
+              <a:t>12/20/2019</a:t>
             </a:fld>
             <a:endParaRPr lang="en-US" dirty="0"/>
           </a:p>
@@ -6382,7 +6382,7 @@
             <a:fld id="{B61BEF0D-F0BB-DE4B-95CE-6DB70DBA9567}" type="datetimeFigureOut">
               <a:rPr lang="en-US" smtClean="0"/>
               <a:pPr/>
-              <a:t>12/12/2019</a:t>
+              <a:t>12/20/2019</a:t>
             </a:fld>
             <a:endParaRPr lang="en-US" dirty="0"/>
           </a:p>
@@ -6638,7 +6638,7 @@
           <a:p>
             <a:fld id="{42A54C80-263E-416B-A8E0-580EDEADCBDC}" type="datetimeFigureOut">
               <a:rPr lang="en-US" smtClean="0"/>
-              <a:t>12/12/2019</a:t>
+              <a:t>12/20/2019</a:t>
             </a:fld>
             <a:endParaRPr lang="en-US" dirty="0"/>
           </a:p>
@@ -6825,7 +6825,7 @@
             <a:fld id="{B61BEF0D-F0BB-DE4B-95CE-6DB70DBA9567}" type="datetimeFigureOut">
               <a:rPr lang="en-US" smtClean="0"/>
               <a:pPr/>
-              <a:t>12/12/2019</a:t>
+              <a:t>12/20/2019</a:t>
             </a:fld>
             <a:endParaRPr lang="en-US" dirty="0"/>
           </a:p>
@@ -7145,7 +7145,7 @@
             <a:fld id="{B61BEF0D-F0BB-DE4B-95CE-6DB70DBA9567}" type="datetimeFigureOut">
               <a:rPr lang="en-US" smtClean="0"/>
               <a:pPr/>
-              <a:t>12/12/2019</a:t>
+              <a:t>12/20/2019</a:t>
             </a:fld>
             <a:endParaRPr lang="en-US" dirty="0"/>
           </a:p>
@@ -7355,7 +7355,7 @@
             <a:fld id="{B61BEF0D-F0BB-DE4B-95CE-6DB70DBA9567}" type="datetimeFigureOut">
               <a:rPr lang="en-US" smtClean="0"/>
               <a:pPr/>
-              <a:t>12/12/2019</a:t>
+              <a:t>12/20/2019</a:t>
             </a:fld>
             <a:endParaRPr lang="en-US" dirty="0"/>
           </a:p>
@@ -7671,7 +7671,7 @@
             <a:fld id="{B61BEF0D-F0BB-DE4B-95CE-6DB70DBA9567}" type="datetimeFigureOut">
               <a:rPr lang="en-US" smtClean="0"/>
               <a:pPr/>
-              <a:t>12/12/2019</a:t>
+              <a:t>12/20/2019</a:t>
             </a:fld>
             <a:endParaRPr lang="en-US" dirty="0"/>
           </a:p>
@@ -8006,7 +8006,7 @@
             <a:fld id="{B61BEF0D-F0BB-DE4B-95CE-6DB70DBA9567}" type="datetimeFigureOut">
               <a:rPr lang="en-US" smtClean="0"/>
               <a:pPr/>
-              <a:t>12/12/2019</a:t>
+              <a:t>12/20/2019</a:t>
             </a:fld>
             <a:endParaRPr lang="en-US" dirty="0"/>
           </a:p>
@@ -8322,7 +8322,7 @@
             <a:fld id="{B61BEF0D-F0BB-DE4B-95CE-6DB70DBA9567}" type="datetimeFigureOut">
               <a:rPr lang="en-US" smtClean="0"/>
               <a:pPr/>
-              <a:t>12/12/2019</a:t>
+              <a:t>12/20/2019</a:t>
             </a:fld>
             <a:endParaRPr lang="en-US" dirty="0"/>
           </a:p>
@@ -8717,7 +8717,7 @@
             <a:fld id="{B61BEF0D-F0BB-DE4B-95CE-6DB70DBA9567}" type="datetimeFigureOut">
               <a:rPr lang="en-US" smtClean="0"/>
               <a:pPr/>
-              <a:t>12/12/2019</a:t>
+              <a:t>12/20/2019</a:t>
             </a:fld>
             <a:endParaRPr lang="en-US" dirty="0"/>
           </a:p>
@@ -8888,7 +8888,7 @@
           <a:p>
             <a:fld id="{55C6B4A9-1611-4792-9094-5F34BCA07E0B}" type="datetimeFigureOut">
               <a:rPr lang="en-US" smtClean="0"/>
-              <a:t>12/12/2019</a:t>
+              <a:t>12/20/2019</a:t>
             </a:fld>
             <a:endParaRPr lang="en-US" dirty="0"/>
           </a:p>
@@ -9069,7 +9069,7 @@
             <a:fld id="{B61BEF0D-F0BB-DE4B-95CE-6DB70DBA9567}" type="datetimeFigureOut">
               <a:rPr lang="en-US" smtClean="0"/>
               <a:pPr/>
-              <a:t>12/12/2019</a:t>
+              <a:t>12/20/2019</a:t>
             </a:fld>
             <a:endParaRPr lang="en-US" dirty="0"/>
           </a:p>
@@ -9334,7 +9334,7 @@
             <a:fld id="{B61BEF0D-F0BB-DE4B-95CE-6DB70DBA9567}" type="datetimeFigureOut">
               <a:rPr lang="en-US" smtClean="0"/>
               <a:pPr/>
-              <a:t>12/12/2019</a:t>
+              <a:t>12/20/2019</a:t>
             </a:fld>
             <a:endParaRPr lang="en-US" dirty="0"/>
           </a:p>
@@ -9600,7 +9600,7 @@
           <a:p>
             <a:fld id="{EB712588-04B1-427B-82EE-E8DB90309F08}" type="datetimeFigureOut">
               <a:rPr lang="en-US" smtClean="0"/>
-              <a:t>12/12/2019</a:t>
+              <a:t>12/20/2019</a:t>
             </a:fld>
             <a:endParaRPr lang="en-US" dirty="0"/>
           </a:p>
@@ -10013,7 +10013,7 @@
             <a:fld id="{B61BEF0D-F0BB-DE4B-95CE-6DB70DBA9567}" type="datetimeFigureOut">
               <a:rPr lang="en-US" smtClean="0"/>
               <a:pPr/>
-              <a:t>12/12/2019</a:t>
+              <a:t>12/20/2019</a:t>
             </a:fld>
             <a:endParaRPr lang="en-US" dirty="0"/>
           </a:p>
@@ -10156,7 +10156,7 @@
             <a:fld id="{B61BEF0D-F0BB-DE4B-95CE-6DB70DBA9567}" type="datetimeFigureOut">
               <a:rPr lang="en-US" smtClean="0"/>
               <a:pPr/>
-              <a:t>12/12/2019</a:t>
+              <a:t>12/20/2019</a:t>
             </a:fld>
             <a:endParaRPr lang="en-US" dirty="0"/>
           </a:p>
@@ -10271,7 +10271,7 @@
             <a:fld id="{B61BEF0D-F0BB-DE4B-95CE-6DB70DBA9567}" type="datetimeFigureOut">
               <a:rPr lang="en-US" smtClean="0"/>
               <a:pPr/>
-              <a:t>12/12/2019</a:t>
+              <a:t>12/20/2019</a:t>
             </a:fld>
             <a:endParaRPr lang="en-US" dirty="0"/>
           </a:p>
@@ -10583,7 +10583,7 @@
           <a:p>
             <a:fld id="{42A54C80-263E-416B-A8E0-580EDEADCBDC}" type="datetimeFigureOut">
               <a:rPr lang="en-US" smtClean="0"/>
-              <a:t>12/12/2019</a:t>
+              <a:t>12/20/2019</a:t>
             </a:fld>
             <a:endParaRPr lang="en-US" dirty="0"/>
           </a:p>
@@ -10872,7 +10872,7 @@
             <a:fld id="{B61BEF0D-F0BB-DE4B-95CE-6DB70DBA9567}" type="datetimeFigureOut">
               <a:rPr lang="en-US" smtClean="0"/>
               <a:pPr/>
-              <a:t>12/12/2019</a:t>
+              <a:t>12/20/2019</a:t>
             </a:fld>
             <a:endParaRPr lang="en-US" dirty="0"/>
           </a:p>
@@ -11115,7 +11115,7 @@
             <a:fld id="{B61BEF0D-F0BB-DE4B-95CE-6DB70DBA9567}" type="datetimeFigureOut">
               <a:rPr lang="en-US" smtClean="0"/>
               <a:pPr/>
-              <a:t>12/12/2019</a:t>
+              <a:t>12/20/2019</a:t>
             </a:fld>
             <a:endParaRPr lang="en-US" dirty="0"/>
           </a:p>
@@ -12200,7 +12200,7 @@
             <a:fld id="{B61BEF0D-F0BB-DE4B-95CE-6DB70DBA9567}" type="datetimeFigureOut">
               <a:rPr lang="en-US" smtClean="0"/>
               <a:pPr/>
-              <a:t>12/12/2019</a:t>
+              <a:t>12/20/2019</a:t>
             </a:fld>
             <a:endParaRPr lang="en-US" dirty="0"/>
           </a:p>
@@ -13379,8 +13379,8 @@
           <a:chExt cx="0" cy="0"/>
         </a:xfrm>
       </p:grpSpPr>
-      <mc:AlternateContent xmlns:mc="http://schemas.openxmlformats.org/markup-compatibility/2006" xmlns:a14="http://schemas.microsoft.com/office/drawing/2010/main">
-        <mc:Choice Requires="a14">
+      <mc:AlternateContent xmlns:mc="http://schemas.openxmlformats.org/markup-compatibility/2006">
+        <mc:Choice xmlns:a14="http://schemas.microsoft.com/office/drawing/2010/main" Requires="a14">
           <p:sp>
             <p:nvSpPr>
               <p:cNvPr id="5" name="Marcador de contenido 2"/>
@@ -14553,6 +14553,15 @@
                         </a:rPr>
                         <m:t> </m:t>
                       </m:r>
+                      <m:r>
+                        <a:rPr lang="es-ES" b="1" i="0" smtClean="0">
+                          <a:solidFill>
+                            <a:schemeClr val="bg1"/>
+                          </a:solidFill>
+                          <a:latin typeface="Cambria Math" panose="02040503050406030204" pitchFamily="18" charset="0"/>
+                        </a:rPr>
+                        <m:t>,</m:t>
+                      </m:r>
                       <m:sSub>
                         <m:sSubPr>
                           <m:ctrlPr>
@@ -14594,7 +14603,34 @@
                           </a:solidFill>
                           <a:latin typeface="Cambria Math" panose="02040503050406030204" pitchFamily="18" charset="0"/>
                         </a:rPr>
-                        <m:t> …</m:t>
+                        <m:t> </m:t>
+                      </m:r>
+                      <m:r>
+                        <a:rPr lang="es-ES" b="1" i="0" smtClean="0">
+                          <a:solidFill>
+                            <a:schemeClr val="bg1"/>
+                          </a:solidFill>
+                          <a:latin typeface="Cambria Math" panose="02040503050406030204" pitchFamily="18" charset="0"/>
+                        </a:rPr>
+                        <m:t>,</m:t>
+                      </m:r>
+                      <m:r>
+                        <a:rPr lang="es-ES" b="1" i="0" smtClean="0">
+                          <a:solidFill>
+                            <a:schemeClr val="bg1"/>
+                          </a:solidFill>
+                          <a:latin typeface="Cambria Math" panose="02040503050406030204" pitchFamily="18" charset="0"/>
+                        </a:rPr>
+                        <m:t>…</m:t>
+                      </m:r>
+                      <m:r>
+                        <a:rPr lang="es-ES" b="1" i="1" smtClean="0">
+                          <a:solidFill>
+                            <a:schemeClr val="bg1"/>
+                          </a:solidFill>
+                          <a:latin typeface="Cambria Math" panose="02040503050406030204" pitchFamily="18" charset="0"/>
+                        </a:rPr>
+                        <m:t>,</m:t>
                       </m:r>
                       <m:sSub>
                         <m:sSubPr>
@@ -14785,7 +14821,7 @@
             </p:txBody>
           </p:sp>
         </mc:Choice>
-        <mc:Fallback xmlns="">
+        <mc:Fallback>
           <p:sp>
             <p:nvSpPr>
               <p:cNvPr id="5" name="Marcador de contenido 2"/>
@@ -15006,8 +15042,8 @@
           </a:p>
         </p:txBody>
       </p:sp>
-      <mc:AlternateContent xmlns:mc="http://schemas.openxmlformats.org/markup-compatibility/2006" xmlns:a14="http://schemas.microsoft.com/office/drawing/2010/main">
-        <mc:Choice Requires="a14">
+      <mc:AlternateContent xmlns:mc="http://schemas.openxmlformats.org/markup-compatibility/2006">
+        <mc:Choice xmlns:a14="http://schemas.microsoft.com/office/drawing/2010/main" Requires="a14">
           <p:sp>
             <p:nvSpPr>
               <p:cNvPr id="5" name="Marcador de contenido 2"/>
@@ -16352,6 +16388,15 @@
                           </a:solidFill>
                           <a:latin typeface="Cambria Math" panose="02040503050406030204" pitchFamily="18" charset="0"/>
                         </a:rPr>
+                        <m:t>,</m:t>
+                      </m:r>
+                      <m:r>
+                        <a:rPr lang="es-ES" b="1" i="0" smtClean="0">
+                          <a:solidFill>
+                            <a:schemeClr val="bg1"/>
+                          </a:solidFill>
+                          <a:latin typeface="Cambria Math" panose="02040503050406030204" pitchFamily="18" charset="0"/>
+                        </a:rPr>
                         <m:t> </m:t>
                       </m:r>
                       <m:sSub>
@@ -16388,6 +16433,15 @@
                           </m:r>
                         </m:sub>
                       </m:sSub>
+                      <m:r>
+                        <a:rPr lang="es-ES" b="1" i="1" smtClean="0">
+                          <a:solidFill>
+                            <a:schemeClr val="bg1"/>
+                          </a:solidFill>
+                          <a:latin typeface="Cambria Math" panose="02040503050406030204" pitchFamily="18" charset="0"/>
+                        </a:rPr>
+                        <m:t>,</m:t>
+                      </m:r>
                       <m:sSub>
                         <m:sSubPr>
                           <m:ctrlPr>
@@ -16400,15 +16454,6 @@
                           </m:ctrlPr>
                         </m:sSubPr>
                         <m:e>
-                          <m:r>
-                            <a:rPr lang="es-ES" b="1" i="0" smtClean="0">
-                              <a:solidFill>
-                                <a:schemeClr val="bg1"/>
-                              </a:solidFill>
-                              <a:latin typeface="Cambria Math" panose="02040503050406030204" pitchFamily="18" charset="0"/>
-                            </a:rPr>
-                            <m:t> </m:t>
-                          </m:r>
                           <m:r>
                             <a:rPr lang="es-ES" b="1">
                               <a:solidFill>
@@ -16438,7 +16483,7 @@
                           </a:solidFill>
                           <a:latin typeface="Cambria Math" panose="02040503050406030204" pitchFamily="18" charset="0"/>
                         </a:rPr>
-                        <m:t> </m:t>
+                        <m:t>,</m:t>
                       </m:r>
                       <m:sSub>
                         <m:sSubPr>
@@ -16495,7 +16540,7 @@
             </p:txBody>
           </p:sp>
         </mc:Choice>
-        <mc:Fallback xmlns="">
+        <mc:Fallback>
           <p:sp>
             <p:nvSpPr>
               <p:cNvPr id="5" name="Marcador de contenido 2"/>
